--- a/web/ppt/PeekEstimate.pptx
+++ b/web/ppt/PeekEstimate.pptx
@@ -198,7 +198,7 @@
           <a:p>
             <a:fld id="{F46A6555-6B7B-42D4-BB45-0BCA231628CE}" type="datetimeFigureOut">
               <a:rPr lang="en-US" smtClean="0"/>
-              <a:t>11/10/2013</a:t>
+              <a:t>11/10/13</a:t>
             </a:fld>
             <a:endParaRPr lang="en-US"/>
           </a:p>
@@ -731,7 +731,7 @@
           <a:p>
             <a:fld id="{97FC46C8-92AE-40E8-9EC7-FB2D1876B28C}" type="datetimeFigureOut">
               <a:rPr lang="en-US" smtClean="0"/>
-              <a:t>11/10/2013</a:t>
+              <a:t>11/10/13</a:t>
             </a:fld>
             <a:endParaRPr lang="en-US"/>
           </a:p>
@@ -901,7 +901,7 @@
           <a:p>
             <a:fld id="{97FC46C8-92AE-40E8-9EC7-FB2D1876B28C}" type="datetimeFigureOut">
               <a:rPr lang="en-US" smtClean="0"/>
-              <a:t>11/10/2013</a:t>
+              <a:t>11/10/13</a:t>
             </a:fld>
             <a:endParaRPr lang="en-US"/>
           </a:p>
@@ -1081,7 +1081,7 @@
           <a:p>
             <a:fld id="{97FC46C8-92AE-40E8-9EC7-FB2D1876B28C}" type="datetimeFigureOut">
               <a:rPr lang="en-US" smtClean="0"/>
-              <a:t>11/10/2013</a:t>
+              <a:t>11/10/13</a:t>
             </a:fld>
             <a:endParaRPr lang="en-US"/>
           </a:p>
@@ -1251,7 +1251,7 @@
           <a:p>
             <a:fld id="{97FC46C8-92AE-40E8-9EC7-FB2D1876B28C}" type="datetimeFigureOut">
               <a:rPr lang="en-US" smtClean="0"/>
-              <a:t>11/10/2013</a:t>
+              <a:t>11/10/13</a:t>
             </a:fld>
             <a:endParaRPr lang="en-US"/>
           </a:p>
@@ -1497,7 +1497,7 @@
           <a:p>
             <a:fld id="{97FC46C8-92AE-40E8-9EC7-FB2D1876B28C}" type="datetimeFigureOut">
               <a:rPr lang="en-US" smtClean="0"/>
-              <a:t>11/10/2013</a:t>
+              <a:t>11/10/13</a:t>
             </a:fld>
             <a:endParaRPr lang="en-US"/>
           </a:p>
@@ -1785,7 +1785,7 @@
           <a:p>
             <a:fld id="{97FC46C8-92AE-40E8-9EC7-FB2D1876B28C}" type="datetimeFigureOut">
               <a:rPr lang="en-US" smtClean="0"/>
-              <a:t>11/10/2013</a:t>
+              <a:t>11/10/13</a:t>
             </a:fld>
             <a:endParaRPr lang="en-US"/>
           </a:p>
@@ -2207,7 +2207,7 @@
           <a:p>
             <a:fld id="{97FC46C8-92AE-40E8-9EC7-FB2D1876B28C}" type="datetimeFigureOut">
               <a:rPr lang="en-US" smtClean="0"/>
-              <a:t>11/10/2013</a:t>
+              <a:t>11/10/13</a:t>
             </a:fld>
             <a:endParaRPr lang="en-US"/>
           </a:p>
@@ -2325,7 +2325,7 @@
           <a:p>
             <a:fld id="{97FC46C8-92AE-40E8-9EC7-FB2D1876B28C}" type="datetimeFigureOut">
               <a:rPr lang="en-US" smtClean="0"/>
-              <a:t>11/10/2013</a:t>
+              <a:t>11/10/13</a:t>
             </a:fld>
             <a:endParaRPr lang="en-US"/>
           </a:p>
@@ -2420,7 +2420,7 @@
           <a:p>
             <a:fld id="{97FC46C8-92AE-40E8-9EC7-FB2D1876B28C}" type="datetimeFigureOut">
               <a:rPr lang="en-US" smtClean="0"/>
-              <a:t>11/10/2013</a:t>
+              <a:t>11/10/13</a:t>
             </a:fld>
             <a:endParaRPr lang="en-US"/>
           </a:p>
@@ -2697,7 +2697,7 @@
           <a:p>
             <a:fld id="{97FC46C8-92AE-40E8-9EC7-FB2D1876B28C}" type="datetimeFigureOut">
               <a:rPr lang="en-US" smtClean="0"/>
-              <a:t>11/10/2013</a:t>
+              <a:t>11/10/13</a:t>
             </a:fld>
             <a:endParaRPr lang="en-US"/>
           </a:p>
@@ -2950,7 +2950,7 @@
           <a:p>
             <a:fld id="{97FC46C8-92AE-40E8-9EC7-FB2D1876B28C}" type="datetimeFigureOut">
               <a:rPr lang="en-US" smtClean="0"/>
-              <a:t>11/10/2013</a:t>
+              <a:t>11/10/13</a:t>
             </a:fld>
             <a:endParaRPr lang="en-US"/>
           </a:p>
@@ -3163,7 +3163,7 @@
           <a:p>
             <a:fld id="{97FC46C8-92AE-40E8-9EC7-FB2D1876B28C}" type="datetimeFigureOut">
               <a:rPr lang="en-US" smtClean="0"/>
-              <a:t>11/10/2013</a:t>
+              <a:t>11/10/13</a:t>
             </a:fld>
             <a:endParaRPr lang="en-US"/>
           </a:p>
@@ -3874,7 +3874,7 @@
           </a:prstGeom>
           <a:noFill/>
           <a:extLst>
-            <a:ext uri="{909E8E84-426E-40DD-AFC4-6F175D3DCCD1}">
+            <a:ext uri="{909E8E84-426E-40dd-AFC4-6F175D3DCCD1}">
               <a14:hiddenFill xmlns:a14="http://schemas.microsoft.com/office/drawing/2010/main">
                 <a:solidFill>
                   <a:srgbClr val="FFFFFF"/>
@@ -3915,7 +3915,7 @@
           </a:prstGeom>
           <a:noFill/>
           <a:extLst>
-            <a:ext uri="{909E8E84-426E-40DD-AFC4-6F175D3DCCD1}">
+            <a:ext uri="{909E8E84-426E-40dd-AFC4-6F175D3DCCD1}">
               <a14:hiddenFill xmlns:a14="http://schemas.microsoft.com/office/drawing/2010/main">
                 <a:solidFill>
                   <a:srgbClr val="FFFFFF"/>
@@ -3956,7 +3956,7 @@
           </a:prstGeom>
           <a:noFill/>
           <a:extLst>
-            <a:ext uri="{909E8E84-426E-40DD-AFC4-6F175D3DCCD1}">
+            <a:ext uri="{909E8E84-426E-40dd-AFC4-6F175D3DCCD1}">
               <a14:hiddenFill xmlns:a14="http://schemas.microsoft.com/office/drawing/2010/main">
                 <a:solidFill>
                   <a:srgbClr val="FFFFFF"/>
@@ -3976,13 +3976,13 @@
   <p:clrMapOvr>
     <a:masterClrMapping/>
   </p:clrMapOvr>
-  <mc:AlternateContent xmlns:mc="http://schemas.openxmlformats.org/markup-compatibility/2006">
-    <mc:Choice xmlns:p14="http://schemas.microsoft.com/office/powerpoint/2010/main" Requires="p14">
+  <mc:AlternateContent xmlns:mc="http://schemas.openxmlformats.org/markup-compatibility/2006" xmlns:p14="http://schemas.microsoft.com/office/powerpoint/2010/main">
+    <mc:Choice Requires="p14">
       <p:transition spd="slow" p14:dur="800">
         <p:circle/>
       </p:transition>
     </mc:Choice>
-    <mc:Fallback>
+    <mc:Fallback xmlns="">
       <p:transition spd="slow">
         <p:circle/>
       </p:transition>
@@ -3991,7 +3991,7 @@
   <p:timing>
     <p:tnLst>
       <p:par>
-        <p:cTn id="1" dur="indefinite" restart="never" nodeType="tmRoot"/>
+        <p:cTn xmlns:p14="http://schemas.microsoft.com/office/powerpoint/2010/main" id="1" dur="indefinite" restart="never" nodeType="tmRoot"/>
       </p:par>
     </p:tnLst>
   </p:timing>
@@ -4249,7 +4249,7 @@
   <p:timing>
     <p:tnLst>
       <p:par>
-        <p:cTn id="1" dur="indefinite" restart="never" nodeType="tmRoot"/>
+        <p:cTn xmlns:p14="http://schemas.microsoft.com/office/powerpoint/2010/main" id="1" dur="indefinite" restart="never" nodeType="tmRoot"/>
       </p:par>
     </p:tnLst>
   </p:timing>
@@ -4282,7 +4282,7 @@
         <p:spPr>
           <a:xfrm>
             <a:off x="959426" y="2514600"/>
-            <a:ext cx="7162800" cy="1323439"/>
+            <a:ext cx="7162800" cy="2862322"/>
           </a:xfrm>
           <a:prstGeom prst="rect">
             <a:avLst/>
@@ -4344,7 +4344,81 @@
                   <a:srgbClr val="0070C0"/>
                 </a:solidFill>
               </a:rPr>
-              <a:t>hover in an article.</a:t>
+              <a:t>hover in an article</a:t>
+            </a:r>
+            <a:r>
+              <a:rPr lang="en-US" sz="2000" dirty="0" smtClean="0">
+                <a:solidFill>
+                  <a:srgbClr val="0070C0"/>
+                </a:solidFill>
+              </a:rPr>
+              <a:t>.</a:t>
+            </a:r>
+          </a:p>
+          <a:p>
+            <a:pPr marL="285750" indent="-285750">
+              <a:buFont typeface="Arial" pitchFamily="34" charset="0"/>
+              <a:buChar char="•"/>
+            </a:pPr>
+            <a:endParaRPr lang="en-US" sz="2000" dirty="0">
+              <a:solidFill>
+                <a:srgbClr val="0070C0"/>
+              </a:solidFill>
+            </a:endParaRPr>
+          </a:p>
+          <a:p>
+            <a:pPr marL="285750" indent="-285750">
+              <a:buFont typeface="Arial" pitchFamily="34" charset="0"/>
+              <a:buChar char="•"/>
+            </a:pPr>
+            <a:r>
+              <a:rPr lang="en-US" sz="2000" dirty="0" smtClean="0">
+                <a:solidFill>
+                  <a:srgbClr val="0070C0"/>
+                </a:solidFill>
+              </a:rPr>
+              <a:t>Service for Getting the Symbol matches based on the Text passed.</a:t>
+            </a:r>
+          </a:p>
+          <a:p>
+            <a:pPr marL="285750" indent="-285750">
+              <a:buFont typeface="Arial" pitchFamily="34" charset="0"/>
+              <a:buChar char="•"/>
+            </a:pPr>
+            <a:endParaRPr lang="en-US" sz="2000" dirty="0">
+              <a:solidFill>
+                <a:srgbClr val="0070C0"/>
+              </a:solidFill>
+            </a:endParaRPr>
+          </a:p>
+          <a:p>
+            <a:pPr marL="285750" indent="-285750">
+              <a:buFont typeface="Arial" pitchFamily="34" charset="0"/>
+              <a:buChar char="•"/>
+            </a:pPr>
+            <a:r>
+              <a:rPr lang="en-US" sz="2000" dirty="0" smtClean="0">
+                <a:solidFill>
+                  <a:srgbClr val="0070C0"/>
+                </a:solidFill>
+              </a:rPr>
+              <a:t>Store/Cache the results into </a:t>
+            </a:r>
+            <a:r>
+              <a:rPr lang="en-US" sz="2000" dirty="0" err="1" smtClean="0">
+                <a:solidFill>
+                  <a:srgbClr val="0070C0"/>
+                </a:solidFill>
+              </a:rPr>
+              <a:t>MongoDB</a:t>
+            </a:r>
+            <a:r>
+              <a:rPr lang="en-US" sz="2000" dirty="0" smtClean="0">
+                <a:solidFill>
+                  <a:srgbClr val="0070C0"/>
+                </a:solidFill>
+              </a:rPr>
+              <a:t> to improve the algorithm.</a:t>
             </a:r>
             <a:r>
               <a:rPr lang="en-US" sz="2000" dirty="0">
@@ -4512,7 +4586,7 @@
   <p:timing>
     <p:tnLst>
       <p:par>
-        <p:cTn id="1" dur="indefinite" restart="never" nodeType="tmRoot"/>
+        <p:cTn xmlns:p14="http://schemas.microsoft.com/office/powerpoint/2010/main" id="1" dur="indefinite" restart="never" nodeType="tmRoot"/>
       </p:par>
     </p:tnLst>
   </p:timing>
@@ -5070,7 +5144,15 @@
             <a:pPr algn="ctr"/>
             <a:r>
               <a:rPr lang="en-US" dirty="0" smtClean="0"/>
-              <a:t>Add event listeners on those tickers/symbols</a:t>
+              <a:t>Add event listeners on </a:t>
+            </a:r>
+            <a:r>
+              <a:rPr lang="en-US" dirty="0" smtClean="0"/>
+              <a:t>tickers</a:t>
+            </a:r>
+            <a:r>
+              <a:rPr lang="en-US" dirty="0" smtClean="0"/>
+              <a:t>/symbols</a:t>
             </a:r>
             <a:endParaRPr lang="en-US" dirty="0"/>
           </a:p>
@@ -5109,6 +5191,101 @@
           </a:fontRef>
         </p:style>
       </p:cxnSp>
+      <p:sp>
+        <p:nvSpPr>
+          <p:cNvPr id="14" name="Rectangle 13"/>
+          <p:cNvSpPr/>
+          <p:nvPr/>
+        </p:nvSpPr>
+        <p:spPr>
+          <a:xfrm>
+            <a:off x="2819400" y="5715000"/>
+            <a:ext cx="1850967" cy="1143000"/>
+          </a:xfrm>
+          <a:prstGeom prst="rect">
+            <a:avLst/>
+          </a:prstGeom>
+        </p:spPr>
+        <p:style>
+          <a:lnRef idx="2">
+            <a:schemeClr val="accent1">
+              <a:shade val="50000"/>
+            </a:schemeClr>
+          </a:lnRef>
+          <a:fillRef idx="1">
+            <a:schemeClr val="accent1"/>
+          </a:fillRef>
+          <a:effectRef idx="0">
+            <a:schemeClr val="accent1"/>
+          </a:effectRef>
+          <a:fontRef idx="minor">
+            <a:schemeClr val="lt1"/>
+          </a:fontRef>
+        </p:style>
+        <p:txBody>
+          <a:bodyPr rtlCol="0" anchor="ctr"/>
+          <a:lstStyle/>
+          <a:p>
+            <a:pPr algn="ctr"/>
+            <a:r>
+              <a:rPr lang="en-US" dirty="0" smtClean="0"/>
+              <a:t>Widget Popup</a:t>
+            </a:r>
+          </a:p>
+          <a:p>
+            <a:pPr algn="ctr"/>
+            <a:r>
+              <a:rPr lang="en-US" dirty="0" smtClean="0"/>
+              <a:t>Of </a:t>
+            </a:r>
+            <a:r>
+              <a:rPr lang="en-US" dirty="0" err="1" smtClean="0"/>
+              <a:t>Estimize</a:t>
+            </a:r>
+            <a:r>
+              <a:rPr lang="en-US" dirty="0" smtClean="0"/>
+              <a:t> data/Graphs</a:t>
+            </a:r>
+            <a:endParaRPr lang="en-US" dirty="0"/>
+          </a:p>
+        </p:txBody>
+      </p:sp>
+      <p:cxnSp>
+        <p:nvCxnSpPr>
+          <p:cNvPr id="4" name="Elbow Connector 3"/>
+          <p:cNvCxnSpPr>
+            <a:stCxn id="30" idx="2"/>
+            <a:endCxn id="14" idx="1"/>
+          </p:cNvCxnSpPr>
+          <p:nvPr/>
+        </p:nvCxnSpPr>
+        <p:spPr>
+          <a:xfrm rot="16200000" flipH="1">
+            <a:off x="1815292" y="5282392"/>
+            <a:ext cx="1104900" cy="903316"/>
+          </a:xfrm>
+          <a:prstGeom prst="bentConnector2">
+            <a:avLst/>
+          </a:prstGeom>
+          <a:ln>
+            <a:tailEnd type="arrow"/>
+          </a:ln>
+        </p:spPr>
+        <p:style>
+          <a:lnRef idx="2">
+            <a:schemeClr val="accent1"/>
+          </a:lnRef>
+          <a:fillRef idx="0">
+            <a:schemeClr val="accent1"/>
+          </a:fillRef>
+          <a:effectRef idx="1">
+            <a:schemeClr val="accent1"/>
+          </a:effectRef>
+          <a:fontRef idx="minor">
+            <a:schemeClr val="tx1"/>
+          </a:fontRef>
+        </p:style>
+      </p:cxnSp>
     </p:spTree>
     <p:extLst>
       <p:ext uri="{BB962C8B-B14F-4D97-AF65-F5344CB8AC3E}">
@@ -5122,7 +5299,7 @@
   <p:timing>
     <p:tnLst>
       <p:par>
-        <p:cTn id="1" dur="indefinite" restart="never" nodeType="tmRoot"/>
+        <p:cTn xmlns:p14="http://schemas.microsoft.com/office/powerpoint/2010/main" id="1" dur="indefinite" restart="never" nodeType="tmRoot"/>
       </p:par>
     </p:tnLst>
   </p:timing>
@@ -5233,7 +5410,7 @@
   <p:timing>
     <p:tnLst>
       <p:par>
-        <p:cTn id="1" dur="indefinite" restart="never" nodeType="tmRoot"/>
+        <p:cTn xmlns:p14="http://schemas.microsoft.com/office/powerpoint/2010/main" id="1" dur="indefinite" restart="never" nodeType="tmRoot"/>
       </p:par>
     </p:tnLst>
   </p:timing>
@@ -5399,8 +5576,8 @@
         </p:nvSpPr>
         <p:spPr>
           <a:xfrm>
-            <a:off x="1833409" y="1332637"/>
-            <a:ext cx="5375895" cy="1754326"/>
+            <a:off x="1723155" y="1332637"/>
+            <a:ext cx="5596404" cy="1754327"/>
           </a:xfrm>
           <a:prstGeom prst="rect">
             <a:avLst/>
@@ -5410,20 +5587,6 @@
         <p:txBody>
           <a:bodyPr wrap="none" lIns="91440" tIns="45720" rIns="91440" bIns="45720">
             <a:spAutoFit/>
-            <a:scene3d>
-              <a:camera prst="orthographicFront"/>
-              <a:lightRig rig="flat" dir="tl">
-                <a:rot lat="0" lon="0" rev="6600000"/>
-              </a:lightRig>
-            </a:scene3d>
-            <a:sp3d extrusionH="25400" contourW="8890">
-              <a:bevelT w="38100" h="31750"/>
-              <a:contourClr>
-                <a:schemeClr val="accent2">
-                  <a:shade val="75000"/>
-                </a:schemeClr>
-              </a:contourClr>
-            </a:sp3d>
           </a:bodyPr>
           <a:lstStyle/>
           <a:p>
@@ -5431,38 +5594,30 @@
               <a:buFont typeface="+mj-lt"/>
               <a:buAutoNum type="arabicPeriod"/>
             </a:pPr>
-            <a:endParaRPr lang="en-US" sz="3600" b="1" cap="none" spc="0" dirty="0" smtClean="0">
-              <a:ln w="11430"/>
-              <a:gradFill>
-                <a:gsLst>
-                  <a:gs pos="0">
-                    <a:schemeClr val="accent2">
-                      <a:tint val="70000"/>
-                      <a:satMod val="245000"/>
-                    </a:schemeClr>
-                  </a:gs>
-                  <a:gs pos="75000">
-                    <a:schemeClr val="accent2">
-                      <a:tint val="90000"/>
-                      <a:shade val="60000"/>
-                      <a:satMod val="240000"/>
-                    </a:schemeClr>
-                  </a:gs>
-                  <a:gs pos="100000">
-                    <a:schemeClr val="accent2">
-                      <a:tint val="100000"/>
-                      <a:shade val="50000"/>
-                      <a:satMod val="240000"/>
-                    </a:schemeClr>
-                  </a:gs>
-                </a:gsLst>
-                <a:lin ang="5400000"/>
-              </a:gradFill>
+            <a:endParaRPr lang="en-US" sz="3600" b="1" spc="100" dirty="0" smtClean="0">
+              <a:ln w="18000">
+                <a:solidFill>
+                  <a:schemeClr val="accent1">
+                    <a:satMod val="200000"/>
+                    <a:tint val="72000"/>
+                  </a:schemeClr>
+                </a:solidFill>
+                <a:prstDash val="solid"/>
+              </a:ln>
+              <a:solidFill>
+                <a:schemeClr val="accent1">
+                  <a:satMod val="280000"/>
+                  <a:tint val="100000"/>
+                  <a:alpha val="5700"/>
+                </a:schemeClr>
+              </a:solidFill>
               <a:effectLst>
-                <a:outerShdw blurRad="50800" dist="39000" dir="5460000" algn="tl">
-                  <a:srgbClr val="000000">
-                    <a:alpha val="38000"/>
-                  </a:srgbClr>
+                <a:outerShdw blurRad="25000" dist="20000" dir="16020000" algn="tl">
+                  <a:schemeClr val="accent1">
+                    <a:satMod val="200000"/>
+                    <a:shade val="1000"/>
+                    <a:alpha val="60000"/>
+                  </a:schemeClr>
                 </a:outerShdw>
               </a:effectLst>
             </a:endParaRPr>
@@ -5473,78 +5628,35 @@
               <a:buAutoNum type="arabicPeriod"/>
             </a:pPr>
             <a:r>
-              <a:rPr lang="en-US" sz="3600" b="1" dirty="0" smtClean="0">
-                <a:ln w="11430"/>
-                <a:gradFill>
-                  <a:gsLst>
-                    <a:gs pos="0">
-                      <a:schemeClr val="accent2">
-                        <a:tint val="70000"/>
-                        <a:satMod val="245000"/>
-                      </a:schemeClr>
-                    </a:gs>
-                    <a:gs pos="75000">
-                      <a:schemeClr val="accent2">
-                        <a:tint val="90000"/>
-                        <a:shade val="60000"/>
-                        <a:satMod val="240000"/>
-                      </a:schemeClr>
-                    </a:gs>
-                    <a:gs pos="100000">
-                      <a:schemeClr val="accent2">
-                        <a:tint val="100000"/>
-                        <a:shade val="50000"/>
-                        <a:satMod val="240000"/>
-                      </a:schemeClr>
-                    </a:gs>
-                  </a:gsLst>
-                  <a:lin ang="5400000"/>
-                </a:gradFill>
+              <a:rPr lang="en-US" sz="3600" b="1" spc="100" dirty="0" smtClean="0">
+                <a:ln w="18000">
+                  <a:solidFill>
+                    <a:schemeClr val="accent1">
+                      <a:satMod val="200000"/>
+                      <a:tint val="72000"/>
+                    </a:schemeClr>
+                  </a:solidFill>
+                  <a:prstDash val="solid"/>
+                </a:ln>
+                <a:solidFill>
+                  <a:schemeClr val="accent1">
+                    <a:satMod val="280000"/>
+                    <a:tint val="100000"/>
+                    <a:alpha val="5700"/>
+                  </a:schemeClr>
+                </a:solidFill>
                 <a:effectLst>
-                  <a:outerShdw blurRad="50800" dist="39000" dir="5460000" algn="tl">
-                    <a:srgbClr val="000000">
-                      <a:alpha val="38000"/>
-                    </a:srgbClr>
+                  <a:outerShdw blurRad="25000" dist="20000" dir="16020000" algn="tl">
+                    <a:schemeClr val="accent1">
+                      <a:satMod val="200000"/>
+                      <a:shade val="1000"/>
+                      <a:alpha val="60000"/>
+                    </a:schemeClr>
                   </a:outerShdw>
                 </a:effectLst>
               </a:rPr>
               <a:t>Vaisyaraju Aditya Raju</a:t>
             </a:r>
-            <a:endParaRPr lang="en-US" sz="3600" b="1" cap="none" spc="0" dirty="0" smtClean="0">
-              <a:ln w="11430"/>
-              <a:gradFill>
-                <a:gsLst>
-                  <a:gs pos="0">
-                    <a:schemeClr val="accent2">
-                      <a:tint val="70000"/>
-                      <a:satMod val="245000"/>
-                    </a:schemeClr>
-                  </a:gs>
-                  <a:gs pos="75000">
-                    <a:schemeClr val="accent2">
-                      <a:tint val="90000"/>
-                      <a:shade val="60000"/>
-                      <a:satMod val="240000"/>
-                    </a:schemeClr>
-                  </a:gs>
-                  <a:gs pos="100000">
-                    <a:schemeClr val="accent2">
-                      <a:tint val="100000"/>
-                      <a:shade val="50000"/>
-                      <a:satMod val="240000"/>
-                    </a:schemeClr>
-                  </a:gs>
-                </a:gsLst>
-                <a:lin ang="5400000"/>
-              </a:gradFill>
-              <a:effectLst>
-                <a:outerShdw blurRad="50800" dist="39000" dir="5460000" algn="tl">
-                  <a:srgbClr val="000000">
-                    <a:alpha val="38000"/>
-                  </a:srgbClr>
-                </a:outerShdw>
-              </a:effectLst>
-            </a:endParaRPr>
           </a:p>
           <a:p>
             <a:pPr marL="914400" indent="-914400" algn="ctr">
@@ -5552,189 +5664,149 @@
               <a:buAutoNum type="arabicPeriod"/>
             </a:pPr>
             <a:r>
-              <a:rPr lang="en-US" sz="3600" b="1" cap="none" spc="0" dirty="0" err="1" smtClean="0">
-                <a:ln w="11430"/>
-                <a:gradFill>
-                  <a:gsLst>
-                    <a:gs pos="0">
-                      <a:schemeClr val="accent2">
-                        <a:tint val="70000"/>
-                        <a:satMod val="245000"/>
-                      </a:schemeClr>
-                    </a:gs>
-                    <a:gs pos="75000">
-                      <a:schemeClr val="accent2">
-                        <a:tint val="90000"/>
-                        <a:shade val="60000"/>
-                        <a:satMod val="240000"/>
-                      </a:schemeClr>
-                    </a:gs>
-                    <a:gs pos="100000">
-                      <a:schemeClr val="accent2">
-                        <a:tint val="100000"/>
-                        <a:shade val="50000"/>
-                        <a:satMod val="240000"/>
-                      </a:schemeClr>
-                    </a:gs>
-                  </a:gsLst>
-                  <a:lin ang="5400000"/>
-                </a:gradFill>
+              <a:rPr lang="en-US" sz="3600" b="1" spc="100" dirty="0" err="1" smtClean="0">
+                <a:ln w="18000">
+                  <a:solidFill>
+                    <a:schemeClr val="accent1">
+                      <a:satMod val="200000"/>
+                      <a:tint val="72000"/>
+                    </a:schemeClr>
+                  </a:solidFill>
+                  <a:prstDash val="solid"/>
+                </a:ln>
+                <a:solidFill>
+                  <a:schemeClr val="accent1">
+                    <a:satMod val="280000"/>
+                    <a:tint val="100000"/>
+                    <a:alpha val="5700"/>
+                  </a:schemeClr>
+                </a:solidFill>
                 <a:effectLst>
-                  <a:outerShdw blurRad="50800" dist="39000" dir="5460000" algn="tl">
-                    <a:srgbClr val="000000">
-                      <a:alpha val="38000"/>
-                    </a:srgbClr>
+                  <a:outerShdw blurRad="25000" dist="20000" dir="16020000" algn="tl">
+                    <a:schemeClr val="accent1">
+                      <a:satMod val="200000"/>
+                      <a:shade val="1000"/>
+                      <a:alpha val="60000"/>
+                    </a:schemeClr>
                   </a:outerShdw>
                 </a:effectLst>
               </a:rPr>
               <a:t>Hari</a:t>
             </a:r>
             <a:r>
-              <a:rPr lang="en-US" sz="3600" b="1" dirty="0">
-                <a:ln w="11430"/>
-                <a:gradFill>
-                  <a:gsLst>
-                    <a:gs pos="0">
-                      <a:schemeClr val="accent2">
-                        <a:tint val="70000"/>
-                        <a:satMod val="245000"/>
-                      </a:schemeClr>
-                    </a:gs>
-                    <a:gs pos="75000">
-                      <a:schemeClr val="accent2">
-                        <a:tint val="90000"/>
-                        <a:shade val="60000"/>
-                        <a:satMod val="240000"/>
-                      </a:schemeClr>
-                    </a:gs>
-                    <a:gs pos="100000">
-                      <a:schemeClr val="accent2">
-                        <a:tint val="100000"/>
-                        <a:shade val="50000"/>
-                        <a:satMod val="240000"/>
-                      </a:schemeClr>
-                    </a:gs>
-                  </a:gsLst>
-                  <a:lin ang="5400000"/>
-                </a:gradFill>
+              <a:rPr lang="en-US" sz="3600" b="1" spc="100" dirty="0">
+                <a:ln w="18000">
+                  <a:solidFill>
+                    <a:schemeClr val="accent1">
+                      <a:satMod val="200000"/>
+                      <a:tint val="72000"/>
+                    </a:schemeClr>
+                  </a:solidFill>
+                  <a:prstDash val="solid"/>
+                </a:ln>
+                <a:solidFill>
+                  <a:schemeClr val="accent1">
+                    <a:satMod val="280000"/>
+                    <a:tint val="100000"/>
+                    <a:alpha val="5700"/>
+                  </a:schemeClr>
+                </a:solidFill>
                 <a:effectLst>
-                  <a:outerShdw blurRad="50800" dist="39000" dir="5460000" algn="tl">
-                    <a:srgbClr val="000000">
-                      <a:alpha val="38000"/>
-                    </a:srgbClr>
+                  <a:outerShdw blurRad="25000" dist="20000" dir="16020000" algn="tl">
+                    <a:schemeClr val="accent1">
+                      <a:satMod val="200000"/>
+                      <a:shade val="1000"/>
+                      <a:alpha val="60000"/>
+                    </a:schemeClr>
                   </a:outerShdw>
                 </a:effectLst>
               </a:rPr>
               <a:t> </a:t>
             </a:r>
             <a:r>
-              <a:rPr lang="en-US" sz="3600" b="1" cap="none" spc="0" dirty="0" smtClean="0">
-                <a:ln w="11430"/>
-                <a:gradFill>
-                  <a:gsLst>
-                    <a:gs pos="0">
-                      <a:schemeClr val="accent2">
-                        <a:tint val="70000"/>
-                        <a:satMod val="245000"/>
-                      </a:schemeClr>
-                    </a:gs>
-                    <a:gs pos="75000">
-                      <a:schemeClr val="accent2">
-                        <a:tint val="90000"/>
-                        <a:shade val="60000"/>
-                        <a:satMod val="240000"/>
-                      </a:schemeClr>
-                    </a:gs>
-                    <a:gs pos="100000">
-                      <a:schemeClr val="accent2">
-                        <a:tint val="100000"/>
-                        <a:shade val="50000"/>
-                        <a:satMod val="240000"/>
-                      </a:schemeClr>
-                    </a:gs>
-                  </a:gsLst>
-                  <a:lin ang="5400000"/>
-                </a:gradFill>
+              <a:rPr lang="en-US" sz="3600" b="1" spc="100" dirty="0" smtClean="0">
+                <a:ln w="18000">
+                  <a:solidFill>
+                    <a:schemeClr val="accent1">
+                      <a:satMod val="200000"/>
+                      <a:tint val="72000"/>
+                    </a:schemeClr>
+                  </a:solidFill>
+                  <a:prstDash val="solid"/>
+                </a:ln>
+                <a:solidFill>
+                  <a:schemeClr val="accent1">
+                    <a:satMod val="280000"/>
+                    <a:tint val="100000"/>
+                    <a:alpha val="5700"/>
+                  </a:schemeClr>
+                </a:solidFill>
                 <a:effectLst>
-                  <a:outerShdw blurRad="50800" dist="39000" dir="5460000" algn="tl">
-                    <a:srgbClr val="000000">
-                      <a:alpha val="38000"/>
-                    </a:srgbClr>
+                  <a:outerShdw blurRad="25000" dist="20000" dir="16020000" algn="tl">
+                    <a:schemeClr val="accent1">
+                      <a:satMod val="200000"/>
+                      <a:shade val="1000"/>
+                      <a:alpha val="60000"/>
+                    </a:schemeClr>
                   </a:outerShdw>
                 </a:effectLst>
               </a:rPr>
               <a:t>Suresh </a:t>
             </a:r>
             <a:r>
-              <a:rPr lang="en-US" sz="3600" b="1" cap="none" spc="0" dirty="0" err="1" smtClean="0">
-                <a:ln w="11430"/>
-                <a:gradFill>
-                  <a:gsLst>
-                    <a:gs pos="0">
-                      <a:schemeClr val="accent2">
-                        <a:tint val="70000"/>
-                        <a:satMod val="245000"/>
-                      </a:schemeClr>
-                    </a:gs>
-                    <a:gs pos="75000">
-                      <a:schemeClr val="accent2">
-                        <a:tint val="90000"/>
-                        <a:shade val="60000"/>
-                        <a:satMod val="240000"/>
-                      </a:schemeClr>
-                    </a:gs>
-                    <a:gs pos="100000">
-                      <a:schemeClr val="accent2">
-                        <a:tint val="100000"/>
-                        <a:shade val="50000"/>
-                        <a:satMod val="240000"/>
-                      </a:schemeClr>
-                    </a:gs>
-                  </a:gsLst>
-                  <a:lin ang="5400000"/>
-                </a:gradFill>
+              <a:rPr lang="en-US" sz="3600" b="1" spc="100" dirty="0" err="1" smtClean="0">
+                <a:ln w="18000">
+                  <a:solidFill>
+                    <a:schemeClr val="accent1">
+                      <a:satMod val="200000"/>
+                      <a:tint val="72000"/>
+                    </a:schemeClr>
+                  </a:solidFill>
+                  <a:prstDash val="solid"/>
+                </a:ln>
+                <a:solidFill>
+                  <a:schemeClr val="accent1">
+                    <a:satMod val="280000"/>
+                    <a:tint val="100000"/>
+                    <a:alpha val="5700"/>
+                  </a:schemeClr>
+                </a:solidFill>
                 <a:effectLst>
-                  <a:outerShdw blurRad="50800" dist="39000" dir="5460000" algn="tl">
-                    <a:srgbClr val="000000">
-                      <a:alpha val="38000"/>
-                    </a:srgbClr>
+                  <a:outerShdw blurRad="25000" dist="20000" dir="16020000" algn="tl">
+                    <a:schemeClr val="accent1">
+                      <a:satMod val="200000"/>
+                      <a:shade val="1000"/>
+                      <a:alpha val="60000"/>
+                    </a:schemeClr>
                   </a:outerShdw>
                 </a:effectLst>
               </a:rPr>
               <a:t>Dosapati</a:t>
             </a:r>
-            <a:endParaRPr lang="en-US" sz="3600" b="1" cap="none" spc="0" dirty="0" smtClean="0">
-              <a:ln w="11430"/>
-              <a:gradFill>
-                <a:gsLst>
-                  <a:gs pos="0">
-                    <a:schemeClr val="accent2">
-                      <a:tint val="70000"/>
-                      <a:satMod val="245000"/>
-                    </a:schemeClr>
-                  </a:gs>
-                  <a:gs pos="75000">
-                    <a:schemeClr val="accent2">
-                      <a:tint val="90000"/>
-                      <a:shade val="60000"/>
-                      <a:satMod val="240000"/>
-                    </a:schemeClr>
-                  </a:gs>
-                  <a:gs pos="100000">
-                    <a:schemeClr val="accent2">
-                      <a:tint val="100000"/>
-                      <a:shade val="50000"/>
-                      <a:satMod val="240000"/>
-                    </a:schemeClr>
-                  </a:gs>
-                </a:gsLst>
-                <a:lin ang="5400000"/>
-              </a:gradFill>
+            <a:endParaRPr lang="en-US" sz="3600" b="1" spc="100" dirty="0" smtClean="0">
+              <a:ln w="18000">
+                <a:solidFill>
+                  <a:schemeClr val="accent1">
+                    <a:satMod val="200000"/>
+                    <a:tint val="72000"/>
+                  </a:schemeClr>
+                </a:solidFill>
+                <a:prstDash val="solid"/>
+              </a:ln>
+              <a:solidFill>
+                <a:schemeClr val="accent1">
+                  <a:satMod val="280000"/>
+                  <a:tint val="100000"/>
+                  <a:alpha val="5700"/>
+                </a:schemeClr>
+              </a:solidFill>
               <a:effectLst>
-                <a:outerShdw blurRad="50800" dist="39000" dir="5460000" algn="tl">
-                  <a:srgbClr val="000000">
-                    <a:alpha val="38000"/>
-                  </a:srgbClr>
+                <a:outerShdw blurRad="25000" dist="20000" dir="16020000" algn="tl">
+                  <a:schemeClr val="accent1">
+                    <a:satMod val="200000"/>
+                    <a:shade val="1000"/>
+                    <a:alpha val="60000"/>
+                  </a:schemeClr>
                 </a:outerShdw>
               </a:effectLst>
             </a:endParaRPr>
@@ -5754,7 +5826,7 @@
   <p:timing>
     <p:tnLst>
       <p:par>
-        <p:cTn id="1" dur="indefinite" restart="never" nodeType="tmRoot"/>
+        <p:cTn xmlns:p14="http://schemas.microsoft.com/office/powerpoint/2010/main" id="1" dur="indefinite" restart="never" nodeType="tmRoot"/>
       </p:par>
     </p:tnLst>
   </p:timing>
@@ -5917,7 +5989,7 @@
         </p:nvSpPr>
         <p:spPr>
           <a:xfrm>
-            <a:off x="1524000" y="2819400"/>
+            <a:off x="1447800" y="381000"/>
             <a:ext cx="5943600" cy="1446550"/>
           </a:xfrm>
           <a:prstGeom prst="rect">
@@ -5992,7 +6064,7 @@
                   <a:reflection blurRad="12700" stA="50000" endPos="50000" dist="5000" dir="5400000" sy="-100000" rotWithShape="0"/>
                 </a:effectLst>
               </a:rPr>
-              <a:t>Any Questions?</a:t>
+              <a:t>Questions…?</a:t>
             </a:r>
             <a:endParaRPr lang="en-US" sz="4400" b="1" cap="all" spc="0" dirty="0" smtClean="0">
               <a:ln w="0"/>
@@ -6086,6 +6158,260 @@
           </a:p>
         </p:txBody>
       </p:sp>
+      <p:sp>
+        <p:nvSpPr>
+          <p:cNvPr id="5" name="Rectangle 4"/>
+          <p:cNvSpPr/>
+          <p:nvPr/>
+        </p:nvSpPr>
+        <p:spPr>
+          <a:xfrm>
+            <a:off x="4016148" y="2426363"/>
+            <a:ext cx="1274708" cy="646331"/>
+          </a:xfrm>
+          <a:prstGeom prst="rect">
+            <a:avLst/>
+          </a:prstGeom>
+          <a:noFill/>
+        </p:spPr>
+        <p:txBody>
+          <a:bodyPr wrap="none" lIns="91440" tIns="45720" rIns="91440" bIns="45720">
+            <a:spAutoFit/>
+            <a:scene3d>
+              <a:camera prst="orthographicFront">
+                <a:rot lat="0" lon="0" rev="0"/>
+              </a:camera>
+              <a:lightRig rig="contrasting" dir="t">
+                <a:rot lat="0" lon="0" rev="4500000"/>
+              </a:lightRig>
+            </a:scene3d>
+            <a:sp3d contourW="6350" prstMaterial="metal">
+              <a:bevelT w="127000" h="31750" prst="relaxedInset"/>
+              <a:contourClr>
+                <a:schemeClr val="accent1">
+                  <a:shade val="75000"/>
+                </a:schemeClr>
+              </a:contourClr>
+            </a:sp3d>
+          </a:bodyPr>
+          <a:lstStyle/>
+          <a:p>
+            <a:pPr algn="ctr"/>
+            <a:r>
+              <a:rPr lang="en-US" sz="3600" b="1" u="sng" cap="all" spc="0" dirty="0" smtClean="0">
+                <a:ln w="0"/>
+                <a:gradFill flip="none">
+                  <a:gsLst>
+                    <a:gs pos="0">
+                      <a:schemeClr val="accent1">
+                        <a:tint val="75000"/>
+                        <a:shade val="75000"/>
+                        <a:satMod val="170000"/>
+                      </a:schemeClr>
+                    </a:gs>
+                    <a:gs pos="49000">
+                      <a:schemeClr val="accent1">
+                        <a:tint val="88000"/>
+                        <a:shade val="65000"/>
+                        <a:satMod val="172000"/>
+                      </a:schemeClr>
+                    </a:gs>
+                    <a:gs pos="50000">
+                      <a:schemeClr val="accent1">
+                        <a:shade val="65000"/>
+                        <a:satMod val="130000"/>
+                      </a:schemeClr>
+                    </a:gs>
+                    <a:gs pos="92000">
+                      <a:schemeClr val="accent1">
+                        <a:shade val="50000"/>
+                        <a:satMod val="120000"/>
+                      </a:schemeClr>
+                    </a:gs>
+                    <a:gs pos="100000">
+                      <a:schemeClr val="accent1">
+                        <a:shade val="48000"/>
+                        <a:satMod val="120000"/>
+                      </a:schemeClr>
+                    </a:gs>
+                  </a:gsLst>
+                  <a:lin ang="5400000"/>
+                </a:gradFill>
+                <a:effectLst>
+                  <a:reflection blurRad="12700" stA="50000" endPos="50000" dist="5000" dir="5400000" sy="-100000" rotWithShape="0"/>
+                </a:effectLst>
+              </a:rPr>
+              <a:t>API’s </a:t>
+            </a:r>
+            <a:endParaRPr lang="en-US" sz="3600" b="1" u="sng" cap="all" spc="0" dirty="0">
+              <a:ln w="0"/>
+              <a:gradFill flip="none">
+                <a:gsLst>
+                  <a:gs pos="0">
+                    <a:schemeClr val="accent1">
+                      <a:tint val="75000"/>
+                      <a:shade val="75000"/>
+                      <a:satMod val="170000"/>
+                    </a:schemeClr>
+                  </a:gs>
+                  <a:gs pos="49000">
+                    <a:schemeClr val="accent1">
+                      <a:tint val="88000"/>
+                      <a:shade val="65000"/>
+                      <a:satMod val="172000"/>
+                    </a:schemeClr>
+                  </a:gs>
+                  <a:gs pos="50000">
+                    <a:schemeClr val="accent1">
+                      <a:shade val="65000"/>
+                      <a:satMod val="130000"/>
+                    </a:schemeClr>
+                  </a:gs>
+                  <a:gs pos="92000">
+                    <a:schemeClr val="accent1">
+                      <a:shade val="50000"/>
+                      <a:satMod val="120000"/>
+                    </a:schemeClr>
+                  </a:gs>
+                  <a:gs pos="100000">
+                    <a:schemeClr val="accent1">
+                      <a:shade val="48000"/>
+                      <a:satMod val="120000"/>
+                    </a:schemeClr>
+                  </a:gs>
+                </a:gsLst>
+                <a:lin ang="5400000"/>
+              </a:gradFill>
+              <a:effectLst>
+                <a:reflection blurRad="12700" stA="50000" endPos="50000" dist="5000" dir="5400000" sy="-100000" rotWithShape="0"/>
+              </a:effectLst>
+            </a:endParaRPr>
+          </a:p>
+        </p:txBody>
+      </p:sp>
+      <p:pic>
+        <p:nvPicPr>
+          <p:cNvPr id="6" name="Picture 3" descr="C:\Users\ADITYARAJU\Desktop\MongoDB_Logo_Full_Knockout (1).png"/>
+          <p:cNvPicPr>
+            <a:picLocks noChangeAspect="1" noChangeArrowheads="1"/>
+          </p:cNvPicPr>
+          <p:nvPr/>
+        </p:nvPicPr>
+        <p:blipFill>
+          <a:blip r:embed="rId2">
+            <a:extLst>
+              <a:ext uri="{28A0092B-C50C-407E-A947-70E740481C1C}">
+                <a14:useLocalDpi xmlns:a14="http://schemas.microsoft.com/office/drawing/2010/main" val="0"/>
+              </a:ext>
+            </a:extLst>
+          </a:blip>
+          <a:srcRect/>
+          <a:stretch>
+            <a:fillRect/>
+          </a:stretch>
+        </p:blipFill>
+        <p:spPr bwMode="auto">
+          <a:xfrm>
+            <a:off x="6093649" y="3228484"/>
+            <a:ext cx="1469640" cy="671136"/>
+          </a:xfrm>
+          <a:prstGeom prst="rect">
+            <a:avLst/>
+          </a:prstGeom>
+          <a:noFill/>
+          <a:extLst>
+            <a:ext uri="{909E8E84-426E-40dd-AFC4-6F175D3DCCD1}">
+              <a14:hiddenFill xmlns:a14="http://schemas.microsoft.com/office/drawing/2010/main">
+                <a:solidFill>
+                  <a:srgbClr val="FFFFFF"/>
+                </a:solidFill>
+              </a14:hiddenFill>
+            </a:ext>
+          </a:extLst>
+        </p:spPr>
+      </p:pic>
+      <p:pic>
+        <p:nvPicPr>
+          <p:cNvPr id="7" name="Picture 2" descr="C:\Users\ADITYARAJU\Desktop\estimizelogo.png"/>
+          <p:cNvPicPr>
+            <a:picLocks noChangeAspect="1" noChangeArrowheads="1"/>
+          </p:cNvPicPr>
+          <p:nvPr/>
+        </p:nvPicPr>
+        <p:blipFill>
+          <a:blip r:embed="rId3">
+            <a:extLst>
+              <a:ext uri="{28A0092B-C50C-407E-A947-70E740481C1C}">
+                <a14:useLocalDpi xmlns:a14="http://schemas.microsoft.com/office/drawing/2010/main" val="0"/>
+              </a:ext>
+            </a:extLst>
+          </a:blip>
+          <a:srcRect/>
+          <a:stretch>
+            <a:fillRect/>
+          </a:stretch>
+        </p:blipFill>
+        <p:spPr bwMode="auto">
+          <a:xfrm>
+            <a:off x="870580" y="3242395"/>
+            <a:ext cx="2857500" cy="657225"/>
+          </a:xfrm>
+          <a:prstGeom prst="rect">
+            <a:avLst/>
+          </a:prstGeom>
+          <a:noFill/>
+          <a:extLst>
+            <a:ext uri="{909E8E84-426E-40dd-AFC4-6F175D3DCCD1}">
+              <a14:hiddenFill xmlns:a14="http://schemas.microsoft.com/office/drawing/2010/main">
+                <a:solidFill>
+                  <a:srgbClr val="FFFFFF"/>
+                </a:solidFill>
+              </a14:hiddenFill>
+            </a:ext>
+          </a:extLst>
+        </p:spPr>
+      </p:pic>
+      <p:pic>
+        <p:nvPicPr>
+          <p:cNvPr id="8" name="Picture 3" descr="C:\Users\ADITYARAJU\Desktop\press-1 (1).jpg"/>
+          <p:cNvPicPr>
+            <a:picLocks noChangeAspect="1" noChangeArrowheads="1"/>
+          </p:cNvPicPr>
+          <p:nvPr/>
+        </p:nvPicPr>
+        <p:blipFill>
+          <a:blip r:embed="rId4">
+            <a:extLst>
+              <a:ext uri="{28A0092B-C50C-407E-A947-70E740481C1C}">
+                <a14:useLocalDpi xmlns:a14="http://schemas.microsoft.com/office/drawing/2010/main" val="0"/>
+              </a:ext>
+            </a:extLst>
+          </a:blip>
+          <a:srcRect/>
+          <a:stretch>
+            <a:fillRect/>
+          </a:stretch>
+        </p:blipFill>
+        <p:spPr bwMode="auto">
+          <a:xfrm>
+            <a:off x="3602416" y="4420985"/>
+            <a:ext cx="2057400" cy="822960"/>
+          </a:xfrm>
+          <a:prstGeom prst="rect">
+            <a:avLst/>
+          </a:prstGeom>
+          <a:noFill/>
+          <a:extLst>
+            <a:ext uri="{909E8E84-426E-40dd-AFC4-6F175D3DCCD1}">
+              <a14:hiddenFill xmlns:a14="http://schemas.microsoft.com/office/drawing/2010/main">
+                <a:solidFill>
+                  <a:srgbClr val="FFFFFF"/>
+                </a:solidFill>
+              </a14:hiddenFill>
+            </a:ext>
+          </a:extLst>
+        </p:spPr>
+      </p:pic>
     </p:spTree>
     <p:extLst>
       <p:ext uri="{BB962C8B-B14F-4D97-AF65-F5344CB8AC3E}">
@@ -6099,7 +6425,7 @@
   <p:timing>
     <p:tnLst>
       <p:par>
-        <p:cTn id="1" dur="indefinite" restart="never" nodeType="tmRoot"/>
+        <p:cTn xmlns:p14="http://schemas.microsoft.com/office/powerpoint/2010/main" id="1" dur="indefinite" restart="never" nodeType="tmRoot"/>
       </p:par>
     </p:tnLst>
   </p:timing>
